--- a/figures.pptx
+++ b/figures.pptx
@@ -6347,7 +6347,7 @@
           <a:p>
             <a:fld id="{8050AA88-732A-4138-893C-AA80E56BC6E5}" type="datetimeFigureOut">
               <a:rPr lang="en-US" smtClean="0"/>
-              <a:t>2/25/2021</a:t>
+              <a:t>2/26/2021</a:t>
             </a:fld>
             <a:endParaRPr lang="en-US"/>
           </a:p>
@@ -6517,7 +6517,7 @@
           <a:p>
             <a:fld id="{8050AA88-732A-4138-893C-AA80E56BC6E5}" type="datetimeFigureOut">
               <a:rPr lang="en-US" smtClean="0"/>
-              <a:t>2/25/2021</a:t>
+              <a:t>2/26/2021</a:t>
             </a:fld>
             <a:endParaRPr lang="en-US"/>
           </a:p>
@@ -6697,7 +6697,7 @@
           <a:p>
             <a:fld id="{8050AA88-732A-4138-893C-AA80E56BC6E5}" type="datetimeFigureOut">
               <a:rPr lang="en-US" smtClean="0"/>
-              <a:t>2/25/2021</a:t>
+              <a:t>2/26/2021</a:t>
             </a:fld>
             <a:endParaRPr lang="en-US"/>
           </a:p>
@@ -6867,7 +6867,7 @@
           <a:p>
             <a:fld id="{8050AA88-732A-4138-893C-AA80E56BC6E5}" type="datetimeFigureOut">
               <a:rPr lang="en-US" smtClean="0"/>
-              <a:t>2/25/2021</a:t>
+              <a:t>2/26/2021</a:t>
             </a:fld>
             <a:endParaRPr lang="en-US"/>
           </a:p>
@@ -7113,7 +7113,7 @@
           <a:p>
             <a:fld id="{8050AA88-732A-4138-893C-AA80E56BC6E5}" type="datetimeFigureOut">
               <a:rPr lang="en-US" smtClean="0"/>
-              <a:t>2/25/2021</a:t>
+              <a:t>2/26/2021</a:t>
             </a:fld>
             <a:endParaRPr lang="en-US"/>
           </a:p>
@@ -7345,7 +7345,7 @@
           <a:p>
             <a:fld id="{8050AA88-732A-4138-893C-AA80E56BC6E5}" type="datetimeFigureOut">
               <a:rPr lang="en-US" smtClean="0"/>
-              <a:t>2/25/2021</a:t>
+              <a:t>2/26/2021</a:t>
             </a:fld>
             <a:endParaRPr lang="en-US"/>
           </a:p>
@@ -7712,7 +7712,7 @@
           <a:p>
             <a:fld id="{8050AA88-732A-4138-893C-AA80E56BC6E5}" type="datetimeFigureOut">
               <a:rPr lang="en-US" smtClean="0"/>
-              <a:t>2/25/2021</a:t>
+              <a:t>2/26/2021</a:t>
             </a:fld>
             <a:endParaRPr lang="en-US"/>
           </a:p>
@@ -7830,7 +7830,7 @@
           <a:p>
             <a:fld id="{8050AA88-732A-4138-893C-AA80E56BC6E5}" type="datetimeFigureOut">
               <a:rPr lang="en-US" smtClean="0"/>
-              <a:t>2/25/2021</a:t>
+              <a:t>2/26/2021</a:t>
             </a:fld>
             <a:endParaRPr lang="en-US"/>
           </a:p>
@@ -7925,7 +7925,7 @@
           <a:p>
             <a:fld id="{8050AA88-732A-4138-893C-AA80E56BC6E5}" type="datetimeFigureOut">
               <a:rPr lang="en-US" smtClean="0"/>
-              <a:t>2/25/2021</a:t>
+              <a:t>2/26/2021</a:t>
             </a:fld>
             <a:endParaRPr lang="en-US"/>
           </a:p>
@@ -8202,7 +8202,7 @@
           <a:p>
             <a:fld id="{8050AA88-732A-4138-893C-AA80E56BC6E5}" type="datetimeFigureOut">
               <a:rPr lang="en-US" smtClean="0"/>
-              <a:t>2/25/2021</a:t>
+              <a:t>2/26/2021</a:t>
             </a:fld>
             <a:endParaRPr lang="en-US"/>
           </a:p>
@@ -8455,7 +8455,7 @@
           <a:p>
             <a:fld id="{8050AA88-732A-4138-893C-AA80E56BC6E5}" type="datetimeFigureOut">
               <a:rPr lang="en-US" smtClean="0"/>
-              <a:t>2/25/2021</a:t>
+              <a:t>2/26/2021</a:t>
             </a:fld>
             <a:endParaRPr lang="en-US"/>
           </a:p>
@@ -8668,7 +8668,7 @@
           <a:p>
             <a:fld id="{8050AA88-732A-4138-893C-AA80E56BC6E5}" type="datetimeFigureOut">
               <a:rPr lang="en-US" smtClean="0"/>
-              <a:t>2/25/2021</a:t>
+              <a:t>2/26/2021</a:t>
             </a:fld>
             <a:endParaRPr lang="en-US"/>
           </a:p>
@@ -9103,6 +9103,36 @@
           </a:prstGeom>
         </p:spPr>
       </p:pic>
+      <p:sp>
+        <p:nvSpPr>
+          <p:cNvPr id="2" name="TextBox 1"/>
+          <p:cNvSpPr txBox="1"/>
+          <p:nvPr/>
+        </p:nvSpPr>
+        <p:spPr>
+          <a:xfrm>
+            <a:off x="862148" y="623050"/>
+            <a:ext cx="936667" cy="369332"/>
+          </a:xfrm>
+          <a:prstGeom prst="rect">
+            <a:avLst/>
+          </a:prstGeom>
+          <a:noFill/>
+        </p:spPr>
+        <p:txBody>
+          <a:bodyPr wrap="none" rtlCol="0">
+            <a:spAutoFit/>
+          </a:bodyPr>
+          <a:lstStyle/>
+          <a:p>
+            <a:r>
+              <a:rPr lang="en-US" b="1" dirty="0" smtClean="0"/>
+              <a:t>Figure 3</a:t>
+            </a:r>
+            <a:endParaRPr lang="en-US" b="1" dirty="0"/>
+          </a:p>
+        </p:txBody>
+      </p:sp>
     </p:spTree>
     <p:extLst>
       <p:ext uri="{BB962C8B-B14F-4D97-AF65-F5344CB8AC3E}">
@@ -9157,6 +9187,36 @@
           </a:graphicData>
         </a:graphic>
       </p:graphicFrame>
+      <p:sp>
+        <p:nvSpPr>
+          <p:cNvPr id="3" name="TextBox 2"/>
+          <p:cNvSpPr txBox="1"/>
+          <p:nvPr/>
+        </p:nvSpPr>
+        <p:spPr>
+          <a:xfrm>
+            <a:off x="296090" y="326959"/>
+            <a:ext cx="2190664" cy="369332"/>
+          </a:xfrm>
+          <a:prstGeom prst="rect">
+            <a:avLst/>
+          </a:prstGeom>
+          <a:noFill/>
+        </p:spPr>
+        <p:txBody>
+          <a:bodyPr wrap="none" rtlCol="0">
+            <a:spAutoFit/>
+          </a:bodyPr>
+          <a:lstStyle/>
+          <a:p>
+            <a:r>
+              <a:rPr lang="en-US" b="1" dirty="0" smtClean="0"/>
+              <a:t>Figure A2 (Appendix)</a:t>
+            </a:r>
+            <a:endParaRPr lang="en-US" b="1" dirty="0"/>
+          </a:p>
+        </p:txBody>
+      </p:sp>
     </p:spTree>
     <p:extLst>
       <p:ext uri="{BB962C8B-B14F-4D97-AF65-F5344CB8AC3E}">
@@ -9211,6 +9271,36 @@
           </a:graphicData>
         </a:graphic>
       </p:graphicFrame>
+      <p:sp>
+        <p:nvSpPr>
+          <p:cNvPr id="3" name="TextBox 2"/>
+          <p:cNvSpPr txBox="1"/>
+          <p:nvPr/>
+        </p:nvSpPr>
+        <p:spPr>
+          <a:xfrm>
+            <a:off x="296090" y="326959"/>
+            <a:ext cx="2190664" cy="369332"/>
+          </a:xfrm>
+          <a:prstGeom prst="rect">
+            <a:avLst/>
+          </a:prstGeom>
+          <a:noFill/>
+        </p:spPr>
+        <p:txBody>
+          <a:bodyPr wrap="none" rtlCol="0">
+            <a:spAutoFit/>
+          </a:bodyPr>
+          <a:lstStyle/>
+          <a:p>
+            <a:r>
+              <a:rPr lang="en-US" b="1" dirty="0" smtClean="0"/>
+              <a:t>Figure A3 (Appendix)</a:t>
+            </a:r>
+            <a:endParaRPr lang="en-US" b="1" dirty="0"/>
+          </a:p>
+        </p:txBody>
+      </p:sp>
     </p:spTree>
     <p:extLst>
       <p:ext uri="{BB962C8B-B14F-4D97-AF65-F5344CB8AC3E}">
@@ -9271,6 +9361,36 @@
           </a:prstGeom>
         </p:spPr>
       </p:pic>
+      <p:sp>
+        <p:nvSpPr>
+          <p:cNvPr id="3" name="TextBox 2"/>
+          <p:cNvSpPr txBox="1"/>
+          <p:nvPr/>
+        </p:nvSpPr>
+        <p:spPr>
+          <a:xfrm>
+            <a:off x="296090" y="326959"/>
+            <a:ext cx="2190664" cy="369332"/>
+          </a:xfrm>
+          <a:prstGeom prst="rect">
+            <a:avLst/>
+          </a:prstGeom>
+          <a:noFill/>
+        </p:spPr>
+        <p:txBody>
+          <a:bodyPr wrap="none" rtlCol="0">
+            <a:spAutoFit/>
+          </a:bodyPr>
+          <a:lstStyle/>
+          <a:p>
+            <a:r>
+              <a:rPr lang="en-US" b="1" dirty="0" smtClean="0"/>
+              <a:t>Figure A4 (Appendix)</a:t>
+            </a:r>
+            <a:endParaRPr lang="en-US" b="1" dirty="0"/>
+          </a:p>
+        </p:txBody>
+      </p:sp>
     </p:spTree>
     <p:extLst>
       <p:ext uri="{BB962C8B-B14F-4D97-AF65-F5344CB8AC3E}">
@@ -17933,6 +18053,36 @@
           </a:graphicData>
         </a:graphic>
       </p:graphicFrame>
+      <p:sp>
+        <p:nvSpPr>
+          <p:cNvPr id="3" name="TextBox 2"/>
+          <p:cNvSpPr txBox="1"/>
+          <p:nvPr/>
+        </p:nvSpPr>
+        <p:spPr>
+          <a:xfrm>
+            <a:off x="426719" y="117953"/>
+            <a:ext cx="2106859" cy="369332"/>
+          </a:xfrm>
+          <a:prstGeom prst="rect">
+            <a:avLst/>
+          </a:prstGeom>
+          <a:noFill/>
+        </p:spPr>
+        <p:txBody>
+          <a:bodyPr wrap="none" rtlCol="0">
+            <a:spAutoFit/>
+          </a:bodyPr>
+          <a:lstStyle/>
+          <a:p>
+            <a:r>
+              <a:rPr lang="en-US" b="1" dirty="0" smtClean="0"/>
+              <a:t>Table A1 (Appendix)</a:t>
+            </a:r>
+            <a:endParaRPr lang="en-US" b="1" dirty="0"/>
+          </a:p>
+        </p:txBody>
+      </p:sp>
     </p:spTree>
     <p:extLst>
       <p:ext uri="{BB962C8B-B14F-4D97-AF65-F5344CB8AC3E}">
@@ -17993,6 +18143,168 @@
           </a:prstGeom>
         </p:spPr>
       </p:pic>
+      <p:sp>
+        <p:nvSpPr>
+          <p:cNvPr id="3" name="TextBox 2"/>
+          <p:cNvSpPr txBox="1"/>
+          <p:nvPr/>
+        </p:nvSpPr>
+        <p:spPr>
+          <a:xfrm>
+            <a:off x="862148" y="623050"/>
+            <a:ext cx="943528" cy="369332"/>
+          </a:xfrm>
+          <a:prstGeom prst="rect">
+            <a:avLst/>
+          </a:prstGeom>
+          <a:noFill/>
+        </p:spPr>
+        <p:txBody>
+          <a:bodyPr wrap="none" rtlCol="0">
+            <a:spAutoFit/>
+          </a:bodyPr>
+          <a:lstStyle/>
+          <a:p>
+            <a:r>
+              <a:rPr lang="en-US" b="1" dirty="0" smtClean="0"/>
+              <a:t>Figure 4</a:t>
+            </a:r>
+            <a:endParaRPr lang="en-US" b="1" dirty="0"/>
+          </a:p>
+        </p:txBody>
+      </p:sp>
+      <p:sp>
+        <p:nvSpPr>
+          <p:cNvPr id="4" name="TextBox 3"/>
+          <p:cNvSpPr txBox="1"/>
+          <p:nvPr/>
+        </p:nvSpPr>
+        <p:spPr>
+          <a:xfrm>
+            <a:off x="5408023" y="2429692"/>
+            <a:ext cx="312906" cy="369332"/>
+          </a:xfrm>
+          <a:prstGeom prst="rect">
+            <a:avLst/>
+          </a:prstGeom>
+          <a:solidFill>
+            <a:schemeClr val="tx1"/>
+          </a:solidFill>
+        </p:spPr>
+        <p:txBody>
+          <a:bodyPr wrap="none" rtlCol="0">
+            <a:spAutoFit/>
+          </a:bodyPr>
+          <a:lstStyle/>
+          <a:p>
+            <a:r>
+              <a:rPr lang="en-US" dirty="0" smtClean="0">
+                <a:solidFill>
+                  <a:schemeClr val="bg1"/>
+                </a:solidFill>
+                <a:latin typeface="Arial" panose="020B0604020202020204" pitchFamily="34" charset="0"/>
+                <a:cs typeface="Arial" panose="020B0604020202020204" pitchFamily="34" charset="0"/>
+              </a:rPr>
+              <a:t>a</a:t>
+            </a:r>
+            <a:endParaRPr lang="en-US" dirty="0">
+              <a:solidFill>
+                <a:schemeClr val="bg1"/>
+              </a:solidFill>
+              <a:latin typeface="Arial" panose="020B0604020202020204" pitchFamily="34" charset="0"/>
+              <a:cs typeface="Arial" panose="020B0604020202020204" pitchFamily="34" charset="0"/>
+            </a:endParaRPr>
+          </a:p>
+        </p:txBody>
+      </p:sp>
+      <p:sp>
+        <p:nvSpPr>
+          <p:cNvPr id="5" name="TextBox 4"/>
+          <p:cNvSpPr txBox="1"/>
+          <p:nvPr/>
+        </p:nvSpPr>
+        <p:spPr>
+          <a:xfrm>
+            <a:off x="9047610" y="1227909"/>
+            <a:ext cx="312906" cy="369332"/>
+          </a:xfrm>
+          <a:prstGeom prst="rect">
+            <a:avLst/>
+          </a:prstGeom>
+          <a:solidFill>
+            <a:schemeClr val="tx1"/>
+          </a:solidFill>
+        </p:spPr>
+        <p:txBody>
+          <a:bodyPr wrap="none" rtlCol="0">
+            <a:spAutoFit/>
+          </a:bodyPr>
+          <a:lstStyle/>
+          <a:p>
+            <a:r>
+              <a:rPr lang="en-US" dirty="0">
+                <a:solidFill>
+                  <a:schemeClr val="bg1"/>
+                </a:solidFill>
+                <a:latin typeface="Arial" panose="020B0604020202020204" pitchFamily="34" charset="0"/>
+                <a:cs typeface="Arial" panose="020B0604020202020204" pitchFamily="34" charset="0"/>
+              </a:rPr>
+              <a:t>b</a:t>
+            </a:r>
+            <a:endParaRPr lang="en-US" dirty="0">
+              <a:solidFill>
+                <a:schemeClr val="bg1"/>
+              </a:solidFill>
+              <a:latin typeface="Arial" panose="020B0604020202020204" pitchFamily="34" charset="0"/>
+              <a:cs typeface="Arial" panose="020B0604020202020204" pitchFamily="34" charset="0"/>
+            </a:endParaRPr>
+          </a:p>
+        </p:txBody>
+      </p:sp>
+      <p:sp>
+        <p:nvSpPr>
+          <p:cNvPr id="6" name="TextBox 5"/>
+          <p:cNvSpPr txBox="1"/>
+          <p:nvPr/>
+        </p:nvSpPr>
+        <p:spPr>
+          <a:xfrm>
+            <a:off x="3139441" y="3592286"/>
+            <a:ext cx="300082" cy="369332"/>
+          </a:xfrm>
+          <a:prstGeom prst="rect">
+            <a:avLst/>
+          </a:prstGeom>
+          <a:solidFill>
+            <a:schemeClr val="tx1"/>
+          </a:solidFill>
+        </p:spPr>
+        <p:txBody>
+          <a:bodyPr wrap="none" rtlCol="0">
+            <a:spAutoFit/>
+          </a:bodyPr>
+          <a:lstStyle/>
+          <a:p>
+            <a:r>
+              <a:rPr lang="en-US" dirty="0">
+                <a:solidFill>
+                  <a:schemeClr val="bg1"/>
+                </a:solidFill>
+                <a:latin typeface="Arial" panose="020B0604020202020204" pitchFamily="34" charset="0"/>
+                <a:cs typeface="Arial" panose="020B0604020202020204" pitchFamily="34" charset="0"/>
+              </a:rPr>
+              <a:t>c</a:t>
+            </a:r>
+            <a:endParaRPr lang="en-US" dirty="0">
+              <a:solidFill>
+                <a:schemeClr val="bg1"/>
+              </a:solidFill>
+              <a:latin typeface="Arial" panose="020B0604020202020204" pitchFamily="34" charset="0"/>
+              <a:cs typeface="Arial" panose="020B0604020202020204" pitchFamily="34" charset="0"/>
+            </a:endParaRPr>
+          </a:p>
+        </p:txBody>
+      </p:sp>
     </p:spTree>
     <p:extLst>
       <p:ext uri="{BB962C8B-B14F-4D97-AF65-F5344CB8AC3E}">
@@ -18053,6 +18365,124 @@
           </a:prstGeom>
         </p:spPr>
       </p:pic>
+      <p:sp>
+        <p:nvSpPr>
+          <p:cNvPr id="3" name="TextBox 2"/>
+          <p:cNvSpPr txBox="1"/>
+          <p:nvPr/>
+        </p:nvSpPr>
+        <p:spPr>
+          <a:xfrm>
+            <a:off x="862148" y="623050"/>
+            <a:ext cx="943528" cy="369332"/>
+          </a:xfrm>
+          <a:prstGeom prst="rect">
+            <a:avLst/>
+          </a:prstGeom>
+          <a:noFill/>
+        </p:spPr>
+        <p:txBody>
+          <a:bodyPr wrap="none" rtlCol="0">
+            <a:spAutoFit/>
+          </a:bodyPr>
+          <a:lstStyle/>
+          <a:p>
+            <a:r>
+              <a:rPr lang="en-US" b="1" dirty="0" smtClean="0"/>
+              <a:t>Figure 5</a:t>
+            </a:r>
+            <a:endParaRPr lang="en-US" b="1" dirty="0"/>
+          </a:p>
+        </p:txBody>
+      </p:sp>
+      <p:sp>
+        <p:nvSpPr>
+          <p:cNvPr id="4" name="TextBox 3"/>
+          <p:cNvSpPr txBox="1"/>
+          <p:nvPr/>
+        </p:nvSpPr>
+        <p:spPr>
+          <a:xfrm>
+            <a:off x="3161211" y="2647406"/>
+            <a:ext cx="312906" cy="369332"/>
+          </a:xfrm>
+          <a:prstGeom prst="rect">
+            <a:avLst/>
+          </a:prstGeom>
+          <a:solidFill>
+            <a:schemeClr val="tx1"/>
+          </a:solidFill>
+        </p:spPr>
+        <p:txBody>
+          <a:bodyPr wrap="none" rtlCol="0">
+            <a:spAutoFit/>
+          </a:bodyPr>
+          <a:lstStyle/>
+          <a:p>
+            <a:r>
+              <a:rPr lang="en-US" dirty="0" smtClean="0">
+                <a:solidFill>
+                  <a:schemeClr val="bg1"/>
+                </a:solidFill>
+                <a:latin typeface="Arial" panose="020B0604020202020204" pitchFamily="34" charset="0"/>
+                <a:cs typeface="Arial" panose="020B0604020202020204" pitchFamily="34" charset="0"/>
+              </a:rPr>
+              <a:t>a</a:t>
+            </a:r>
+            <a:endParaRPr lang="en-US" dirty="0">
+              <a:solidFill>
+                <a:schemeClr val="bg1"/>
+              </a:solidFill>
+              <a:latin typeface="Arial" panose="020B0604020202020204" pitchFamily="34" charset="0"/>
+              <a:cs typeface="Arial" panose="020B0604020202020204" pitchFamily="34" charset="0"/>
+            </a:endParaRPr>
+          </a:p>
+        </p:txBody>
+      </p:sp>
+      <p:sp>
+        <p:nvSpPr>
+          <p:cNvPr id="5" name="TextBox 4"/>
+          <p:cNvSpPr txBox="1"/>
+          <p:nvPr/>
+        </p:nvSpPr>
+        <p:spPr>
+          <a:xfrm>
+            <a:off x="3161211" y="4908680"/>
+            <a:ext cx="312906" cy="369332"/>
+          </a:xfrm>
+          <a:prstGeom prst="rect">
+            <a:avLst/>
+          </a:prstGeom>
+          <a:solidFill>
+            <a:schemeClr val="tx1"/>
+          </a:solidFill>
+        </p:spPr>
+        <p:txBody>
+          <a:bodyPr wrap="none" rtlCol="0">
+            <a:spAutoFit/>
+          </a:bodyPr>
+          <a:lstStyle/>
+          <a:p>
+            <a:r>
+              <a:rPr lang="en-US" dirty="0">
+                <a:solidFill>
+                  <a:schemeClr val="bg1"/>
+                </a:solidFill>
+                <a:latin typeface="Arial" panose="020B0604020202020204" pitchFamily="34" charset="0"/>
+                <a:cs typeface="Arial" panose="020B0604020202020204" pitchFamily="34" charset="0"/>
+              </a:rPr>
+              <a:t>b</a:t>
+            </a:r>
+            <a:endParaRPr lang="en-US" dirty="0">
+              <a:solidFill>
+                <a:schemeClr val="bg1"/>
+              </a:solidFill>
+              <a:latin typeface="Arial" panose="020B0604020202020204" pitchFamily="34" charset="0"/>
+              <a:cs typeface="Arial" panose="020B0604020202020204" pitchFamily="34" charset="0"/>
+            </a:endParaRPr>
+          </a:p>
+        </p:txBody>
+      </p:sp>
     </p:spTree>
     <p:extLst>
       <p:ext uri="{BB962C8B-B14F-4D97-AF65-F5344CB8AC3E}">
@@ -18105,6 +18535,36 @@
           </a:graphicData>
         </a:graphic>
       </p:graphicFrame>
+      <p:sp>
+        <p:nvSpPr>
+          <p:cNvPr id="3" name="TextBox 2"/>
+          <p:cNvSpPr txBox="1"/>
+          <p:nvPr/>
+        </p:nvSpPr>
+        <p:spPr>
+          <a:xfrm>
+            <a:off x="862148" y="623050"/>
+            <a:ext cx="943528" cy="369332"/>
+          </a:xfrm>
+          <a:prstGeom prst="rect">
+            <a:avLst/>
+          </a:prstGeom>
+          <a:noFill/>
+        </p:spPr>
+        <p:txBody>
+          <a:bodyPr wrap="none" rtlCol="0">
+            <a:spAutoFit/>
+          </a:bodyPr>
+          <a:lstStyle/>
+          <a:p>
+            <a:r>
+              <a:rPr lang="en-US" b="1" dirty="0" smtClean="0"/>
+              <a:t>Figure 6</a:t>
+            </a:r>
+            <a:endParaRPr lang="en-US" b="1" dirty="0"/>
+          </a:p>
+        </p:txBody>
+      </p:sp>
     </p:spTree>
     <p:extLst>
       <p:ext uri="{BB962C8B-B14F-4D97-AF65-F5344CB8AC3E}">
@@ -18318,6 +18778,124 @@
           </a:p>
         </p:txBody>
       </p:sp>
+      <p:sp>
+        <p:nvSpPr>
+          <p:cNvPr id="8" name="TextBox 7"/>
+          <p:cNvSpPr txBox="1"/>
+          <p:nvPr/>
+        </p:nvSpPr>
+        <p:spPr>
+          <a:xfrm>
+            <a:off x="530390" y="489855"/>
+            <a:ext cx="943528" cy="369332"/>
+          </a:xfrm>
+          <a:prstGeom prst="rect">
+            <a:avLst/>
+          </a:prstGeom>
+          <a:noFill/>
+        </p:spPr>
+        <p:txBody>
+          <a:bodyPr wrap="none" rtlCol="0">
+            <a:spAutoFit/>
+          </a:bodyPr>
+          <a:lstStyle/>
+          <a:p>
+            <a:r>
+              <a:rPr lang="en-US" b="1" dirty="0" smtClean="0"/>
+              <a:t>Figure 7</a:t>
+            </a:r>
+            <a:endParaRPr lang="en-US" b="1" dirty="0"/>
+          </a:p>
+        </p:txBody>
+      </p:sp>
+      <p:sp>
+        <p:nvSpPr>
+          <p:cNvPr id="9" name="TextBox 8"/>
+          <p:cNvSpPr txBox="1"/>
+          <p:nvPr/>
+        </p:nvSpPr>
+        <p:spPr>
+          <a:xfrm>
+            <a:off x="2656114" y="4579887"/>
+            <a:ext cx="312906" cy="369332"/>
+          </a:xfrm>
+          <a:prstGeom prst="rect">
+            <a:avLst/>
+          </a:prstGeom>
+          <a:solidFill>
+            <a:schemeClr val="tx1"/>
+          </a:solidFill>
+        </p:spPr>
+        <p:txBody>
+          <a:bodyPr wrap="none" rtlCol="0">
+            <a:spAutoFit/>
+          </a:bodyPr>
+          <a:lstStyle/>
+          <a:p>
+            <a:r>
+              <a:rPr lang="en-US" dirty="0" smtClean="0">
+                <a:solidFill>
+                  <a:schemeClr val="bg1"/>
+                </a:solidFill>
+                <a:latin typeface="Arial" panose="020B0604020202020204" pitchFamily="34" charset="0"/>
+                <a:cs typeface="Arial" panose="020B0604020202020204" pitchFamily="34" charset="0"/>
+              </a:rPr>
+              <a:t>a</a:t>
+            </a:r>
+            <a:endParaRPr lang="en-US" dirty="0">
+              <a:solidFill>
+                <a:schemeClr val="bg1"/>
+              </a:solidFill>
+              <a:latin typeface="Arial" panose="020B0604020202020204" pitchFamily="34" charset="0"/>
+              <a:cs typeface="Arial" panose="020B0604020202020204" pitchFamily="34" charset="0"/>
+            </a:endParaRPr>
+          </a:p>
+        </p:txBody>
+      </p:sp>
+      <p:sp>
+        <p:nvSpPr>
+          <p:cNvPr id="10" name="TextBox 9"/>
+          <p:cNvSpPr txBox="1"/>
+          <p:nvPr/>
+        </p:nvSpPr>
+        <p:spPr>
+          <a:xfrm>
+            <a:off x="6348246" y="4579887"/>
+            <a:ext cx="312906" cy="369332"/>
+          </a:xfrm>
+          <a:prstGeom prst="rect">
+            <a:avLst/>
+          </a:prstGeom>
+          <a:solidFill>
+            <a:schemeClr val="tx1"/>
+          </a:solidFill>
+        </p:spPr>
+        <p:txBody>
+          <a:bodyPr wrap="none" rtlCol="0">
+            <a:spAutoFit/>
+          </a:bodyPr>
+          <a:lstStyle/>
+          <a:p>
+            <a:r>
+              <a:rPr lang="en-US" dirty="0">
+                <a:solidFill>
+                  <a:schemeClr val="bg1"/>
+                </a:solidFill>
+                <a:latin typeface="Arial" panose="020B0604020202020204" pitchFamily="34" charset="0"/>
+                <a:cs typeface="Arial" panose="020B0604020202020204" pitchFamily="34" charset="0"/>
+              </a:rPr>
+              <a:t>b</a:t>
+            </a:r>
+            <a:endParaRPr lang="en-US" dirty="0">
+              <a:solidFill>
+                <a:schemeClr val="bg1"/>
+              </a:solidFill>
+              <a:latin typeface="Arial" panose="020B0604020202020204" pitchFamily="34" charset="0"/>
+              <a:cs typeface="Arial" panose="020B0604020202020204" pitchFamily="34" charset="0"/>
+            </a:endParaRPr>
+          </a:p>
+        </p:txBody>
+      </p:sp>
     </p:spTree>
     <p:extLst>
       <p:ext uri="{BB962C8B-B14F-4D97-AF65-F5344CB8AC3E}">
@@ -18348,9 +18926,39 @@
           <a:chExt cx="0" cy="0"/>
         </a:xfrm>
       </p:grpSpPr>
+      <p:sp>
+        <p:nvSpPr>
+          <p:cNvPr id="3" name="TextBox 2"/>
+          <p:cNvSpPr txBox="1"/>
+          <p:nvPr/>
+        </p:nvSpPr>
+        <p:spPr>
+          <a:xfrm>
+            <a:off x="862148" y="623050"/>
+            <a:ext cx="943528" cy="369332"/>
+          </a:xfrm>
+          <a:prstGeom prst="rect">
+            <a:avLst/>
+          </a:prstGeom>
+          <a:noFill/>
+        </p:spPr>
+        <p:txBody>
+          <a:bodyPr wrap="none" rtlCol="0">
+            <a:spAutoFit/>
+          </a:bodyPr>
+          <a:lstStyle/>
+          <a:p>
+            <a:r>
+              <a:rPr lang="en-US" b="1" dirty="0" smtClean="0"/>
+              <a:t>Figure 8</a:t>
+            </a:r>
+            <a:endParaRPr lang="en-US" b="1" dirty="0"/>
+          </a:p>
+        </p:txBody>
+      </p:sp>
       <p:pic>
         <p:nvPicPr>
-          <p:cNvPr id="2" name="Picture 1"/>
+          <p:cNvPr id="4" name="Picture 3"/>
           <p:cNvPicPr>
             <a:picLocks noChangeAspect="1"/>
           </p:cNvPicPr>
@@ -18370,8 +18978,8 @@
         </p:blipFill>
         <p:spPr>
           <a:xfrm>
-            <a:off x="2055217" y="511624"/>
-            <a:ext cx="7919365" cy="5279576"/>
+            <a:off x="1942005" y="529041"/>
+            <a:ext cx="8507194" cy="5671462"/>
           </a:xfrm>
           <a:prstGeom prst="rect">
             <a:avLst/>
@@ -18466,6 +19074,36 @@
           </a:prstGeom>
         </p:spPr>
       </p:pic>
+      <p:sp>
+        <p:nvSpPr>
+          <p:cNvPr id="6" name="TextBox 5"/>
+          <p:cNvSpPr txBox="1"/>
+          <p:nvPr/>
+        </p:nvSpPr>
+        <p:spPr>
+          <a:xfrm>
+            <a:off x="862148" y="623050"/>
+            <a:ext cx="943528" cy="369332"/>
+          </a:xfrm>
+          <a:prstGeom prst="rect">
+            <a:avLst/>
+          </a:prstGeom>
+          <a:noFill/>
+        </p:spPr>
+        <p:txBody>
+          <a:bodyPr wrap="none" rtlCol="0">
+            <a:spAutoFit/>
+          </a:bodyPr>
+          <a:lstStyle/>
+          <a:p>
+            <a:r>
+              <a:rPr lang="en-US" b="1" dirty="0" smtClean="0"/>
+              <a:t>Figure 9</a:t>
+            </a:r>
+            <a:endParaRPr lang="en-US" b="1" dirty="0"/>
+          </a:p>
+        </p:txBody>
+      </p:sp>
     </p:spTree>
     <p:extLst>
       <p:ext uri="{BB962C8B-B14F-4D97-AF65-F5344CB8AC3E}">
@@ -18558,6 +19196,36 @@
               <a:latin typeface="Arial" panose="020B0604020202020204" pitchFamily="34" charset="0"/>
               <a:cs typeface="Arial" panose="020B0604020202020204" pitchFamily="34" charset="0"/>
             </a:endParaRPr>
+          </a:p>
+        </p:txBody>
+      </p:sp>
+      <p:sp>
+        <p:nvSpPr>
+          <p:cNvPr id="4" name="TextBox 3"/>
+          <p:cNvSpPr txBox="1"/>
+          <p:nvPr/>
+        </p:nvSpPr>
+        <p:spPr>
+          <a:xfrm>
+            <a:off x="296090" y="326959"/>
+            <a:ext cx="2190664" cy="369332"/>
+          </a:xfrm>
+          <a:prstGeom prst="rect">
+            <a:avLst/>
+          </a:prstGeom>
+          <a:noFill/>
+        </p:spPr>
+        <p:txBody>
+          <a:bodyPr wrap="none" rtlCol="0">
+            <a:spAutoFit/>
+          </a:bodyPr>
+          <a:lstStyle/>
+          <a:p>
+            <a:r>
+              <a:rPr lang="en-US" b="1" dirty="0" smtClean="0"/>
+              <a:t>Figure A1 (Appendix)</a:t>
+            </a:r>
+            <a:endParaRPr lang="en-US" b="1" dirty="0"/>
           </a:p>
         </p:txBody>
       </p:sp>
